--- a/data-raw/Presentation1.pptx
+++ b/data-raw/Presentation1.pptx
@@ -272,7 +272,7 @@
           <a:p>
             <a:fld id="{1BE45AD0-3B32-4E16-B1FE-F0B99A147BDE}" type="datetimeFigureOut">
               <a:rPr lang="en-GB" smtClean="0"/>
-              <a:t>2023-03-25</a:t>
+              <a:t>15/06/2023</a:t>
             </a:fld>
             <a:endParaRPr lang="en-GB"/>
           </a:p>
@@ -472,7 +472,7 @@
           <a:p>
             <a:fld id="{1BE45AD0-3B32-4E16-B1FE-F0B99A147BDE}" type="datetimeFigureOut">
               <a:rPr lang="en-GB" smtClean="0"/>
-              <a:t>2023-03-25</a:t>
+              <a:t>15/06/2023</a:t>
             </a:fld>
             <a:endParaRPr lang="en-GB"/>
           </a:p>
@@ -682,7 +682,7 @@
           <a:p>
             <a:fld id="{1BE45AD0-3B32-4E16-B1FE-F0B99A147BDE}" type="datetimeFigureOut">
               <a:rPr lang="en-GB" smtClean="0"/>
-              <a:t>2023-03-25</a:t>
+              <a:t>15/06/2023</a:t>
             </a:fld>
             <a:endParaRPr lang="en-GB"/>
           </a:p>
@@ -882,7 +882,7 @@
           <a:p>
             <a:fld id="{1BE45AD0-3B32-4E16-B1FE-F0B99A147BDE}" type="datetimeFigureOut">
               <a:rPr lang="en-GB" smtClean="0"/>
-              <a:t>2023-03-25</a:t>
+              <a:t>15/06/2023</a:t>
             </a:fld>
             <a:endParaRPr lang="en-GB"/>
           </a:p>
@@ -1158,7 +1158,7 @@
           <a:p>
             <a:fld id="{1BE45AD0-3B32-4E16-B1FE-F0B99A147BDE}" type="datetimeFigureOut">
               <a:rPr lang="en-GB" smtClean="0"/>
-              <a:t>2023-03-25</a:t>
+              <a:t>15/06/2023</a:t>
             </a:fld>
             <a:endParaRPr lang="en-GB"/>
           </a:p>
@@ -1426,7 +1426,7 @@
           <a:p>
             <a:fld id="{1BE45AD0-3B32-4E16-B1FE-F0B99A147BDE}" type="datetimeFigureOut">
               <a:rPr lang="en-GB" smtClean="0"/>
-              <a:t>2023-03-25</a:t>
+              <a:t>15/06/2023</a:t>
             </a:fld>
             <a:endParaRPr lang="en-GB"/>
           </a:p>
@@ -1841,7 +1841,7 @@
           <a:p>
             <a:fld id="{1BE45AD0-3B32-4E16-B1FE-F0B99A147BDE}" type="datetimeFigureOut">
               <a:rPr lang="en-GB" smtClean="0"/>
-              <a:t>2023-03-25</a:t>
+              <a:t>15/06/2023</a:t>
             </a:fld>
             <a:endParaRPr lang="en-GB"/>
           </a:p>
@@ -1983,7 +1983,7 @@
           <a:p>
             <a:fld id="{1BE45AD0-3B32-4E16-B1FE-F0B99A147BDE}" type="datetimeFigureOut">
               <a:rPr lang="en-GB" smtClean="0"/>
-              <a:t>2023-03-25</a:t>
+              <a:t>15/06/2023</a:t>
             </a:fld>
             <a:endParaRPr lang="en-GB"/>
           </a:p>
@@ -2096,7 +2096,7 @@
           <a:p>
             <a:fld id="{1BE45AD0-3B32-4E16-B1FE-F0B99A147BDE}" type="datetimeFigureOut">
               <a:rPr lang="en-GB" smtClean="0"/>
-              <a:t>2023-03-25</a:t>
+              <a:t>15/06/2023</a:t>
             </a:fld>
             <a:endParaRPr lang="en-GB"/>
           </a:p>
@@ -2409,7 +2409,7 @@
           <a:p>
             <a:fld id="{1BE45AD0-3B32-4E16-B1FE-F0B99A147BDE}" type="datetimeFigureOut">
               <a:rPr lang="en-GB" smtClean="0"/>
-              <a:t>2023-03-25</a:t>
+              <a:t>15/06/2023</a:t>
             </a:fld>
             <a:endParaRPr lang="en-GB"/>
           </a:p>
@@ -2698,7 +2698,7 @@
           <a:p>
             <a:fld id="{1BE45AD0-3B32-4E16-B1FE-F0B99A147BDE}" type="datetimeFigureOut">
               <a:rPr lang="en-GB" smtClean="0"/>
-              <a:t>2023-03-25</a:t>
+              <a:t>15/06/2023</a:t>
             </a:fld>
             <a:endParaRPr lang="en-GB"/>
           </a:p>
@@ -2941,7 +2941,7 @@
           <a:p>
             <a:fld id="{1BE45AD0-3B32-4E16-B1FE-F0B99A147BDE}" type="datetimeFigureOut">
               <a:rPr lang="en-GB" smtClean="0"/>
-              <a:t>2023-03-25</a:t>
+              <a:t>15/06/2023</a:t>
             </a:fld>
             <a:endParaRPr lang="en-GB"/>
           </a:p>
@@ -4419,6 +4419,47 @@
           <a:lstStyle/>
           <a:p>
             <a:r>
+              <a:rPr lang="en-GB" dirty="0">
+                <a:latin typeface="Hack" panose="020B0609030202020204" pitchFamily="49" charset="0"/>
+                <a:ea typeface="Hack" panose="020B0609030202020204" pitchFamily="49" charset="0"/>
+                <a:cs typeface="Hack" panose="020B0609030202020204" pitchFamily="49" charset="0"/>
+              </a:rPr>
+              <a:t>1. </a:t>
+            </a:r>
+            <a:r>
+              <a:rPr lang="en-GB" dirty="0" err="1">
+                <a:latin typeface="Hack" panose="020B0609030202020204" pitchFamily="49" charset="0"/>
+                <a:ea typeface="Hack" panose="020B0609030202020204" pitchFamily="49" charset="0"/>
+                <a:cs typeface="Hack" panose="020B0609030202020204" pitchFamily="49" charset="0"/>
+              </a:rPr>
+              <a:t>factorise_with_dictionary</a:t>
+            </a:r>
+            <a:r>
+              <a:rPr lang="en-GB" dirty="0">
+                <a:latin typeface="Hack" panose="020B0609030202020204" pitchFamily="49" charset="0"/>
+                <a:ea typeface="Hack" panose="020B0609030202020204" pitchFamily="49" charset="0"/>
+                <a:cs typeface="Hack" panose="020B0609030202020204" pitchFamily="49" charset="0"/>
+              </a:rPr>
+              <a:t>() </a:t>
+            </a:r>
+          </a:p>
+          <a:p>
+            <a:endParaRPr lang="en-GB" dirty="0">
+              <a:latin typeface="Hack" panose="020B0609030202020204" pitchFamily="49" charset="0"/>
+              <a:ea typeface="Hack" panose="020B0609030202020204" pitchFamily="49" charset="0"/>
+              <a:cs typeface="Hack" panose="020B0609030202020204" pitchFamily="49" charset="0"/>
+            </a:endParaRPr>
+          </a:p>
+          <a:p>
+            <a:r>
+              <a:rPr lang="en-GB" dirty="0">
+                <a:latin typeface="Hack" panose="020B0609030202020204" pitchFamily="49" charset="0"/>
+                <a:ea typeface="Hack" panose="020B0609030202020204" pitchFamily="49" charset="0"/>
+                <a:cs typeface="Hack" panose="020B0609030202020204" pitchFamily="49" charset="0"/>
+              </a:rPr>
+              <a:t>2. </a:t>
+            </a:r>
+            <a:r>
               <a:rPr lang="en-GB" dirty="0" err="1">
                 <a:latin typeface="Hack" panose="020B0609030202020204" pitchFamily="49" charset="0"/>
                 <a:ea typeface="Hack" panose="020B0609030202020204" pitchFamily="49" charset="0"/>
@@ -4449,42 +4490,20 @@
               </a:rPr>
             </a:br>
             <a:r>
+              <a:rPr lang="en-GB" dirty="0">
+                <a:latin typeface="Hack" panose="020B0609030202020204" pitchFamily="49" charset="0"/>
+                <a:ea typeface="Hack" panose="020B0609030202020204" pitchFamily="49" charset="0"/>
+                <a:cs typeface="Hack" panose="020B0609030202020204" pitchFamily="49" charset="0"/>
+              </a:rPr>
+              <a:t>3. </a:t>
+            </a:r>
+            <a:r>
               <a:rPr lang="en-GB" dirty="0" err="1">
                 <a:latin typeface="Hack" panose="020B0609030202020204" pitchFamily="49" charset="0"/>
                 <a:ea typeface="Hack" panose="020B0609030202020204" pitchFamily="49" charset="0"/>
                 <a:cs typeface="Hack" panose="020B0609030202020204" pitchFamily="49" charset="0"/>
               </a:rPr>
               <a:t>rename_with_dictionary</a:t>
-            </a:r>
-            <a:r>
-              <a:rPr lang="en-GB" dirty="0">
-                <a:latin typeface="Hack" panose="020B0609030202020204" pitchFamily="49" charset="0"/>
-                <a:ea typeface="Hack" panose="020B0609030202020204" pitchFamily="49" charset="0"/>
-                <a:cs typeface="Hack" panose="020B0609030202020204" pitchFamily="49" charset="0"/>
-              </a:rPr>
-              <a:t>()</a:t>
-            </a:r>
-            <a:br>
-              <a:rPr lang="en-GB" dirty="0">
-                <a:latin typeface="Hack" panose="020B0609030202020204" pitchFamily="49" charset="0"/>
-                <a:ea typeface="Hack" panose="020B0609030202020204" pitchFamily="49" charset="0"/>
-                <a:cs typeface="Hack" panose="020B0609030202020204" pitchFamily="49" charset="0"/>
-              </a:rPr>
-            </a:br>
-            <a:br>
-              <a:rPr lang="en-GB" dirty="0">
-                <a:latin typeface="Hack" panose="020B0609030202020204" pitchFamily="49" charset="0"/>
-                <a:ea typeface="Hack" panose="020B0609030202020204" pitchFamily="49" charset="0"/>
-                <a:cs typeface="Hack" panose="020B0609030202020204" pitchFamily="49" charset="0"/>
-              </a:rPr>
-            </a:br>
-            <a:r>
-              <a:rPr lang="en-GB" dirty="0" err="1">
-                <a:latin typeface="Hack" panose="020B0609030202020204" pitchFamily="49" charset="0"/>
-                <a:ea typeface="Hack" panose="020B0609030202020204" pitchFamily="49" charset="0"/>
-                <a:cs typeface="Hack" panose="020B0609030202020204" pitchFamily="49" charset="0"/>
-              </a:rPr>
-              <a:t>factorise_with_dictionary</a:t>
             </a:r>
             <a:r>
               <a:rPr lang="en-GB" dirty="0">

--- a/data-raw/Presentation1.pptx
+++ b/data-raw/Presentation1.pptx
@@ -3756,7 +3756,7 @@
           <p:nvPr>
             <p:extLst>
               <p:ext uri="{D42A27DB-BD31-4B8C-83A1-F6EECF244321}">
-                <p14:modId xmlns:p14="http://schemas.microsoft.com/office/powerpoint/2010/main" val="3762187134"/>
+                <p14:modId xmlns:p14="http://schemas.microsoft.com/office/powerpoint/2010/main" val="1358069788"/>
               </p:ext>
             </p:extLst>
           </p:nvPr>
@@ -3803,7 +3803,7 @@
                       <a:pPr algn="ctr"/>
                       <a:r>
                         <a:rPr lang="en-GB" sz="900" dirty="0"/>
-                        <a:t>level</a:t>
+                        <a:t>levels</a:t>
                       </a:r>
                     </a:p>
                   </a:txBody>
@@ -3817,7 +3817,7 @@
                       <a:pPr algn="ctr"/>
                       <a:r>
                         <a:rPr lang="en-GB" sz="900" dirty="0"/>
-                        <a:t>label</a:t>
+                        <a:t>labels</a:t>
                       </a:r>
                     </a:p>
                   </a:txBody>
@@ -4062,7 +4062,7 @@
           <p:nvPr>
             <p:extLst>
               <p:ext uri="{D42A27DB-BD31-4B8C-83A1-F6EECF244321}">
-                <p14:modId xmlns:p14="http://schemas.microsoft.com/office/powerpoint/2010/main" val="365519847"/>
+                <p14:modId xmlns:p14="http://schemas.microsoft.com/office/powerpoint/2010/main" val="2424371303"/>
               </p:ext>
             </p:extLst>
           </p:nvPr>
@@ -4108,9 +4108,10 @@
                     <a:p>
                       <a:pPr algn="ctr"/>
                       <a:r>
-                        <a:rPr lang="en-GB" sz="900" dirty="0"/>
-                        <a:t>level</a:t>
+                        <a:rPr lang="en-GB" sz="900"/>
+                        <a:t>levels</a:t>
                       </a:r>
+                      <a:endParaRPr lang="en-GB" sz="900" dirty="0"/>
                     </a:p>
                   </a:txBody>
                   <a:tcPr anchor="ctr"/>
@@ -4123,7 +4124,7 @@
                       <a:pPr algn="ctr"/>
                       <a:r>
                         <a:rPr lang="en-GB" sz="900" dirty="0"/>
-                        <a:t>label</a:t>
+                        <a:t>labels</a:t>
                       </a:r>
                     </a:p>
                   </a:txBody>

--- a/data-raw/Presentation1.pptx
+++ b/data-raw/Presentation1.pptx
@@ -272,7 +272,7 @@
           <a:p>
             <a:fld id="{1BE45AD0-3B32-4E16-B1FE-F0B99A147BDE}" type="datetimeFigureOut">
               <a:rPr lang="en-GB" smtClean="0"/>
-              <a:t>15/06/2023</a:t>
+              <a:t>22/06/2023</a:t>
             </a:fld>
             <a:endParaRPr lang="en-GB"/>
           </a:p>
@@ -472,7 +472,7 @@
           <a:p>
             <a:fld id="{1BE45AD0-3B32-4E16-B1FE-F0B99A147BDE}" type="datetimeFigureOut">
               <a:rPr lang="en-GB" smtClean="0"/>
-              <a:t>15/06/2023</a:t>
+              <a:t>22/06/2023</a:t>
             </a:fld>
             <a:endParaRPr lang="en-GB"/>
           </a:p>
@@ -682,7 +682,7 @@
           <a:p>
             <a:fld id="{1BE45AD0-3B32-4E16-B1FE-F0B99A147BDE}" type="datetimeFigureOut">
               <a:rPr lang="en-GB" smtClean="0"/>
-              <a:t>15/06/2023</a:t>
+              <a:t>22/06/2023</a:t>
             </a:fld>
             <a:endParaRPr lang="en-GB"/>
           </a:p>
@@ -882,7 +882,7 @@
           <a:p>
             <a:fld id="{1BE45AD0-3B32-4E16-B1FE-F0B99A147BDE}" type="datetimeFigureOut">
               <a:rPr lang="en-GB" smtClean="0"/>
-              <a:t>15/06/2023</a:t>
+              <a:t>22/06/2023</a:t>
             </a:fld>
             <a:endParaRPr lang="en-GB"/>
           </a:p>
@@ -1158,7 +1158,7 @@
           <a:p>
             <a:fld id="{1BE45AD0-3B32-4E16-B1FE-F0B99A147BDE}" type="datetimeFigureOut">
               <a:rPr lang="en-GB" smtClean="0"/>
-              <a:t>15/06/2023</a:t>
+              <a:t>22/06/2023</a:t>
             </a:fld>
             <a:endParaRPr lang="en-GB"/>
           </a:p>
@@ -1426,7 +1426,7 @@
           <a:p>
             <a:fld id="{1BE45AD0-3B32-4E16-B1FE-F0B99A147BDE}" type="datetimeFigureOut">
               <a:rPr lang="en-GB" smtClean="0"/>
-              <a:t>15/06/2023</a:t>
+              <a:t>22/06/2023</a:t>
             </a:fld>
             <a:endParaRPr lang="en-GB"/>
           </a:p>
@@ -1841,7 +1841,7 @@
           <a:p>
             <a:fld id="{1BE45AD0-3B32-4E16-B1FE-F0B99A147BDE}" type="datetimeFigureOut">
               <a:rPr lang="en-GB" smtClean="0"/>
-              <a:t>15/06/2023</a:t>
+              <a:t>22/06/2023</a:t>
             </a:fld>
             <a:endParaRPr lang="en-GB"/>
           </a:p>
@@ -1983,7 +1983,7 @@
           <a:p>
             <a:fld id="{1BE45AD0-3B32-4E16-B1FE-F0B99A147BDE}" type="datetimeFigureOut">
               <a:rPr lang="en-GB" smtClean="0"/>
-              <a:t>15/06/2023</a:t>
+              <a:t>22/06/2023</a:t>
             </a:fld>
             <a:endParaRPr lang="en-GB"/>
           </a:p>
@@ -2096,7 +2096,7 @@
           <a:p>
             <a:fld id="{1BE45AD0-3B32-4E16-B1FE-F0B99A147BDE}" type="datetimeFigureOut">
               <a:rPr lang="en-GB" smtClean="0"/>
-              <a:t>15/06/2023</a:t>
+              <a:t>22/06/2023</a:t>
             </a:fld>
             <a:endParaRPr lang="en-GB"/>
           </a:p>
@@ -2409,7 +2409,7 @@
           <a:p>
             <a:fld id="{1BE45AD0-3B32-4E16-B1FE-F0B99A147BDE}" type="datetimeFigureOut">
               <a:rPr lang="en-GB" smtClean="0"/>
-              <a:t>15/06/2023</a:t>
+              <a:t>22/06/2023</a:t>
             </a:fld>
             <a:endParaRPr lang="en-GB"/>
           </a:p>
@@ -2698,7 +2698,7 @@
           <a:p>
             <a:fld id="{1BE45AD0-3B32-4E16-B1FE-F0B99A147BDE}" type="datetimeFigureOut">
               <a:rPr lang="en-GB" smtClean="0"/>
-              <a:t>15/06/2023</a:t>
+              <a:t>22/06/2023</a:t>
             </a:fld>
             <a:endParaRPr lang="en-GB"/>
           </a:p>
@@ -2941,7 +2941,7 @@
           <a:p>
             <a:fld id="{1BE45AD0-3B32-4E16-B1FE-F0B99A147BDE}" type="datetimeFigureOut">
               <a:rPr lang="en-GB" smtClean="0"/>
-              <a:t>15/06/2023</a:t>
+              <a:t>22/06/2023</a:t>
             </a:fld>
             <a:endParaRPr lang="en-GB"/>
           </a:p>
@@ -3756,14 +3756,14 @@
           <p:nvPr>
             <p:extLst>
               <p:ext uri="{D42A27DB-BD31-4B8C-83A1-F6EECF244321}">
-                <p14:modId xmlns:p14="http://schemas.microsoft.com/office/powerpoint/2010/main" val="1358069788"/>
+                <p14:modId xmlns:p14="http://schemas.microsoft.com/office/powerpoint/2010/main" val="2496454216"/>
               </p:ext>
             </p:extLst>
           </p:nvPr>
         </p:nvGraphicFramePr>
         <p:xfrm>
-          <a:off x="6651802" y="233673"/>
-          <a:ext cx="1800000" cy="1800000"/>
+          <a:off x="6651799" y="233673"/>
+          <a:ext cx="2265864" cy="1800000"/>
         </p:xfrm>
         <a:graphic>
           <a:graphicData uri="http://schemas.openxmlformats.org/drawingml/2006/table">
@@ -3772,27 +3772,34 @@
                 <a:tableStyleId>{5C22544A-7EE6-4342-B048-85BDC9FD1C3A}</a:tableStyleId>
               </a:tblPr>
               <a:tblGrid>
-                <a:gridCol w="600000">
+                <a:gridCol w="566466">
                   <a:extLst>
                     <a:ext uri="{9D8B030D-6E8A-4147-A177-3AD203B41FA5}">
                       <a16:colId xmlns:a16="http://schemas.microsoft.com/office/drawing/2014/main" val="780488510"/>
                     </a:ext>
                   </a:extLst>
                 </a:gridCol>
-                <a:gridCol w="600000">
+                <a:gridCol w="566466">
                   <a:extLst>
                     <a:ext uri="{9D8B030D-6E8A-4147-A177-3AD203B41FA5}">
                       <a16:colId xmlns:a16="http://schemas.microsoft.com/office/drawing/2014/main" val="2028389368"/>
                     </a:ext>
                   </a:extLst>
                 </a:gridCol>
-                <a:gridCol w="600000">
+                <a:gridCol w="566466">
                   <a:extLst>
                     <a:ext uri="{9D8B030D-6E8A-4147-A177-3AD203B41FA5}">
                       <a16:colId xmlns:a16="http://schemas.microsoft.com/office/drawing/2014/main" val="2876044090"/>
                     </a:ext>
                   </a:extLst>
                 </a:gridCol>
+                <a:gridCol w="566466">
+                  <a:extLst>
+                    <a:ext uri="{9D8B030D-6E8A-4147-A177-3AD203B41FA5}">
+                      <a16:colId xmlns:a16="http://schemas.microsoft.com/office/drawing/2014/main" val="236608661"/>
+                    </a:ext>
+                  </a:extLst>
+                </a:gridCol>
               </a:tblGrid>
               <a:tr h="300000">
                 <a:tc>
@@ -3832,6 +3839,20 @@
                       <a:r>
                         <a:rPr lang="en-GB" sz="900" dirty="0"/>
                         <a:t>ordered</a:t>
+                      </a:r>
+                    </a:p>
+                  </a:txBody>
+                  <a:tcPr anchor="ctr"/>
+                </a:tc>
+                <a:tc>
+                  <a:txBody>
+                    <a:bodyPr/>
+                    <a:lstStyle/>
+                    <a:p>
+                      <a:pPr algn="ctr"/>
+                      <a:r>
+                        <a:rPr lang="en-GB" sz="900" dirty="0"/>
+                        <a:t>exclude</a:t>
                       </a:r>
                     </a:p>
                   </a:txBody>
@@ -3877,6 +3898,17 @@
                   </a:txBody>
                   <a:tcPr anchor="ctr"/>
                 </a:tc>
+                <a:tc>
+                  <a:txBody>
+                    <a:bodyPr/>
+                    <a:lstStyle/>
+                    <a:p>
+                      <a:pPr algn="ctr"/>
+                      <a:endParaRPr lang="en-GB" sz="900"/>
+                    </a:p>
+                  </a:txBody>
+                  <a:tcPr anchor="ctr"/>
+                </a:tc>
                 <a:extLst>
                   <a:ext uri="{0D108BD9-81ED-4DB2-BD59-A6C34878D82A}">
                     <a16:rowId xmlns:a16="http://schemas.microsoft.com/office/drawing/2014/main" val="2044767482"/>
@@ -3917,6 +3949,17 @@
                   </a:txBody>
                   <a:tcPr anchor="ctr"/>
                 </a:tc>
+                <a:tc>
+                  <a:txBody>
+                    <a:bodyPr/>
+                    <a:lstStyle/>
+                    <a:p>
+                      <a:pPr algn="ctr"/>
+                      <a:endParaRPr lang="en-GB" sz="900"/>
+                    </a:p>
+                  </a:txBody>
+                  <a:tcPr anchor="ctr"/>
+                </a:tc>
                 <a:extLst>
                   <a:ext uri="{0D108BD9-81ED-4DB2-BD59-A6C34878D82A}">
                     <a16:rowId xmlns:a16="http://schemas.microsoft.com/office/drawing/2014/main" val="2272863491"/>
@@ -3957,6 +4000,17 @@
                   </a:txBody>
                   <a:tcPr anchor="ctr"/>
                 </a:tc>
+                <a:tc>
+                  <a:txBody>
+                    <a:bodyPr/>
+                    <a:lstStyle/>
+                    <a:p>
+                      <a:pPr algn="ctr"/>
+                      <a:endParaRPr lang="en-GB" sz="900"/>
+                    </a:p>
+                  </a:txBody>
+                  <a:tcPr anchor="ctr"/>
+                </a:tc>
                 <a:extLst>
                   <a:ext uri="{0D108BD9-81ED-4DB2-BD59-A6C34878D82A}">
                     <a16:rowId xmlns:a16="http://schemas.microsoft.com/office/drawing/2014/main" val="650044913"/>
@@ -3997,6 +4051,17 @@
                   </a:txBody>
                   <a:tcPr anchor="ctr"/>
                 </a:tc>
+                <a:tc>
+                  <a:txBody>
+                    <a:bodyPr/>
+                    <a:lstStyle/>
+                    <a:p>
+                      <a:pPr algn="ctr"/>
+                      <a:endParaRPr lang="en-GB" sz="900"/>
+                    </a:p>
+                  </a:txBody>
+                  <a:tcPr anchor="ctr"/>
+                </a:tc>
                 <a:extLst>
                   <a:ext uri="{0D108BD9-81ED-4DB2-BD59-A6C34878D82A}">
                     <a16:rowId xmlns:a16="http://schemas.microsoft.com/office/drawing/2014/main" val="30626102"/>
@@ -4011,6 +4076,17 @@
                     <a:p>
                       <a:pPr algn="ctr"/>
                       <a:endParaRPr lang="en-GB" sz="900"/>
+                    </a:p>
+                  </a:txBody>
+                  <a:tcPr anchor="ctr"/>
+                </a:tc>
+                <a:tc>
+                  <a:txBody>
+                    <a:bodyPr/>
+                    <a:lstStyle/>
+                    <a:p>
+                      <a:pPr algn="ctr"/>
+                      <a:endParaRPr lang="en-GB" sz="900" dirty="0"/>
                     </a:p>
                   </a:txBody>
                   <a:tcPr anchor="ctr"/>
@@ -4062,14 +4138,14 @@
           <p:nvPr>
             <p:extLst>
               <p:ext uri="{D42A27DB-BD31-4B8C-83A1-F6EECF244321}">
-                <p14:modId xmlns:p14="http://schemas.microsoft.com/office/powerpoint/2010/main" val="2424371303"/>
+                <p14:modId xmlns:p14="http://schemas.microsoft.com/office/powerpoint/2010/main" val="1498710372"/>
               </p:ext>
             </p:extLst>
           </p:nvPr>
         </p:nvGraphicFramePr>
         <p:xfrm>
-          <a:off x="6651802" y="2346303"/>
-          <a:ext cx="1800000" cy="1200000"/>
+          <a:off x="6651801" y="2346303"/>
+          <a:ext cx="2265860" cy="1200000"/>
         </p:xfrm>
         <a:graphic>
           <a:graphicData uri="http://schemas.openxmlformats.org/drawingml/2006/table">
@@ -4078,27 +4154,34 @@
                 <a:tableStyleId>{93296810-A885-4BE3-A3E7-6D5BEEA58F35}</a:tableStyleId>
               </a:tblPr>
               <a:tblGrid>
-                <a:gridCol w="600000">
+                <a:gridCol w="566465">
                   <a:extLst>
                     <a:ext uri="{9D8B030D-6E8A-4147-A177-3AD203B41FA5}">
                       <a16:colId xmlns:a16="http://schemas.microsoft.com/office/drawing/2014/main" val="780488510"/>
                     </a:ext>
                   </a:extLst>
                 </a:gridCol>
-                <a:gridCol w="600000">
+                <a:gridCol w="566465">
                   <a:extLst>
                     <a:ext uri="{9D8B030D-6E8A-4147-A177-3AD203B41FA5}">
                       <a16:colId xmlns:a16="http://schemas.microsoft.com/office/drawing/2014/main" val="2028389368"/>
                     </a:ext>
                   </a:extLst>
                 </a:gridCol>
-                <a:gridCol w="600000">
+                <a:gridCol w="566465">
                   <a:extLst>
                     <a:ext uri="{9D8B030D-6E8A-4147-A177-3AD203B41FA5}">
                       <a16:colId xmlns:a16="http://schemas.microsoft.com/office/drawing/2014/main" val="2876044090"/>
                     </a:ext>
                   </a:extLst>
                 </a:gridCol>
+                <a:gridCol w="566465">
+                  <a:extLst>
+                    <a:ext uri="{9D8B030D-6E8A-4147-A177-3AD203B41FA5}">
+                      <a16:colId xmlns:a16="http://schemas.microsoft.com/office/drawing/2014/main" val="611565195"/>
+                    </a:ext>
+                  </a:extLst>
+                </a:gridCol>
               </a:tblGrid>
               <a:tr h="300000">
                 <a:tc>
@@ -4139,6 +4222,20 @@
                       <a:r>
                         <a:rPr lang="en-GB" sz="900" dirty="0"/>
                         <a:t>ordered</a:t>
+                      </a:r>
+                    </a:p>
+                  </a:txBody>
+                  <a:tcPr anchor="ctr"/>
+                </a:tc>
+                <a:tc>
+                  <a:txBody>
+                    <a:bodyPr/>
+                    <a:lstStyle/>
+                    <a:p>
+                      <a:pPr algn="ctr"/>
+                      <a:r>
+                        <a:rPr lang="en-GB" sz="900" dirty="0"/>
+                        <a:t>exclude</a:t>
                       </a:r>
                     </a:p>
                   </a:txBody>
@@ -4179,7 +4276,18 @@
                     <a:lstStyle/>
                     <a:p>
                       <a:pPr algn="ctr"/>
-                      <a:endParaRPr lang="en-GB" sz="900"/>
+                      <a:endParaRPr lang="en-GB" sz="900" dirty="0"/>
+                    </a:p>
+                  </a:txBody>
+                  <a:tcPr anchor="ctr"/>
+                </a:tc>
+                <a:tc>
+                  <a:txBody>
+                    <a:bodyPr/>
+                    <a:lstStyle/>
+                    <a:p>
+                      <a:pPr algn="ctr"/>
+                      <a:endParaRPr lang="en-GB" sz="900" dirty="0"/>
                     </a:p>
                   </a:txBody>
                   <a:tcPr anchor="ctr"/>
@@ -4224,6 +4332,17 @@
                   </a:txBody>
                   <a:tcPr anchor="ctr"/>
                 </a:tc>
+                <a:tc>
+                  <a:txBody>
+                    <a:bodyPr/>
+                    <a:lstStyle/>
+                    <a:p>
+                      <a:pPr algn="ctr"/>
+                      <a:endParaRPr lang="en-GB" sz="900"/>
+                    </a:p>
+                  </a:txBody>
+                  <a:tcPr anchor="ctr"/>
+                </a:tc>
                 <a:extLst>
                   <a:ext uri="{0D108BD9-81ED-4DB2-BD59-A6C34878D82A}">
                     <a16:rowId xmlns:a16="http://schemas.microsoft.com/office/drawing/2014/main" val="2272863491"/>
@@ -4249,6 +4368,17 @@
                     <a:p>
                       <a:pPr algn="ctr"/>
                       <a:endParaRPr lang="en-GB" sz="900"/>
+                    </a:p>
+                  </a:txBody>
+                  <a:tcPr anchor="ctr"/>
+                </a:tc>
+                <a:tc>
+                  <a:txBody>
+                    <a:bodyPr/>
+                    <a:lstStyle/>
+                    <a:p>
+                      <a:pPr algn="ctr"/>
+                      <a:endParaRPr lang="en-GB" sz="900" dirty="0"/>
                     </a:p>
                   </a:txBody>
                   <a:tcPr anchor="ctr"/>

--- a/data-raw/Presentation1.pptx
+++ b/data-raw/Presentation1.pptx
@@ -272,7 +272,7 @@
           <a:p>
             <a:fld id="{1BE45AD0-3B32-4E16-B1FE-F0B99A147BDE}" type="datetimeFigureOut">
               <a:rPr lang="en-GB" smtClean="0"/>
-              <a:t>22/06/2023</a:t>
+              <a:t>01/11/2023</a:t>
             </a:fld>
             <a:endParaRPr lang="en-GB"/>
           </a:p>
@@ -472,7 +472,7 @@
           <a:p>
             <a:fld id="{1BE45AD0-3B32-4E16-B1FE-F0B99A147BDE}" type="datetimeFigureOut">
               <a:rPr lang="en-GB" smtClean="0"/>
-              <a:t>22/06/2023</a:t>
+              <a:t>01/11/2023</a:t>
             </a:fld>
             <a:endParaRPr lang="en-GB"/>
           </a:p>
@@ -682,7 +682,7 @@
           <a:p>
             <a:fld id="{1BE45AD0-3B32-4E16-B1FE-F0B99A147BDE}" type="datetimeFigureOut">
               <a:rPr lang="en-GB" smtClean="0"/>
-              <a:t>22/06/2023</a:t>
+              <a:t>01/11/2023</a:t>
             </a:fld>
             <a:endParaRPr lang="en-GB"/>
           </a:p>
@@ -882,7 +882,7 @@
           <a:p>
             <a:fld id="{1BE45AD0-3B32-4E16-B1FE-F0B99A147BDE}" type="datetimeFigureOut">
               <a:rPr lang="en-GB" smtClean="0"/>
-              <a:t>22/06/2023</a:t>
+              <a:t>01/11/2023</a:t>
             </a:fld>
             <a:endParaRPr lang="en-GB"/>
           </a:p>
@@ -1158,7 +1158,7 @@
           <a:p>
             <a:fld id="{1BE45AD0-3B32-4E16-B1FE-F0B99A147BDE}" type="datetimeFigureOut">
               <a:rPr lang="en-GB" smtClean="0"/>
-              <a:t>22/06/2023</a:t>
+              <a:t>01/11/2023</a:t>
             </a:fld>
             <a:endParaRPr lang="en-GB"/>
           </a:p>
@@ -1426,7 +1426,7 @@
           <a:p>
             <a:fld id="{1BE45AD0-3B32-4E16-B1FE-F0B99A147BDE}" type="datetimeFigureOut">
               <a:rPr lang="en-GB" smtClean="0"/>
-              <a:t>22/06/2023</a:t>
+              <a:t>01/11/2023</a:t>
             </a:fld>
             <a:endParaRPr lang="en-GB"/>
           </a:p>
@@ -1841,7 +1841,7 @@
           <a:p>
             <a:fld id="{1BE45AD0-3B32-4E16-B1FE-F0B99A147BDE}" type="datetimeFigureOut">
               <a:rPr lang="en-GB" smtClean="0"/>
-              <a:t>22/06/2023</a:t>
+              <a:t>01/11/2023</a:t>
             </a:fld>
             <a:endParaRPr lang="en-GB"/>
           </a:p>
@@ -1983,7 +1983,7 @@
           <a:p>
             <a:fld id="{1BE45AD0-3B32-4E16-B1FE-F0B99A147BDE}" type="datetimeFigureOut">
               <a:rPr lang="en-GB" smtClean="0"/>
-              <a:t>22/06/2023</a:t>
+              <a:t>01/11/2023</a:t>
             </a:fld>
             <a:endParaRPr lang="en-GB"/>
           </a:p>
@@ -2096,7 +2096,7 @@
           <a:p>
             <a:fld id="{1BE45AD0-3B32-4E16-B1FE-F0B99A147BDE}" type="datetimeFigureOut">
               <a:rPr lang="en-GB" smtClean="0"/>
-              <a:t>22/06/2023</a:t>
+              <a:t>01/11/2023</a:t>
             </a:fld>
             <a:endParaRPr lang="en-GB"/>
           </a:p>
@@ -2409,7 +2409,7 @@
           <a:p>
             <a:fld id="{1BE45AD0-3B32-4E16-B1FE-F0B99A147BDE}" type="datetimeFigureOut">
               <a:rPr lang="en-GB" smtClean="0"/>
-              <a:t>22/06/2023</a:t>
+              <a:t>01/11/2023</a:t>
             </a:fld>
             <a:endParaRPr lang="en-GB"/>
           </a:p>
@@ -2698,7 +2698,7 @@
           <a:p>
             <a:fld id="{1BE45AD0-3B32-4E16-B1FE-F0B99A147BDE}" type="datetimeFigureOut">
               <a:rPr lang="en-GB" smtClean="0"/>
-              <a:t>22/06/2023</a:t>
+              <a:t>01/11/2023</a:t>
             </a:fld>
             <a:endParaRPr lang="en-GB"/>
           </a:p>
@@ -2941,7 +2941,7 @@
           <a:p>
             <a:fld id="{1BE45AD0-3B32-4E16-B1FE-F0B99A147BDE}" type="datetimeFigureOut">
               <a:rPr lang="en-GB" smtClean="0"/>
-              <a:t>22/06/2023</a:t>
+              <a:t>01/11/2023</a:t>
             </a:fld>
             <a:endParaRPr lang="en-GB"/>
           </a:p>
@@ -3373,14 +3373,14 @@
           <p:nvPr>
             <p:extLst>
               <p:ext uri="{D42A27DB-BD31-4B8C-83A1-F6EECF244321}">
-                <p14:modId xmlns:p14="http://schemas.microsoft.com/office/powerpoint/2010/main" val="129174539"/>
+                <p14:modId xmlns:p14="http://schemas.microsoft.com/office/powerpoint/2010/main" val="2088167456"/>
               </p:ext>
             </p:extLst>
           </p:nvPr>
         </p:nvGraphicFramePr>
         <p:xfrm>
-          <a:off x="2589648" y="719667"/>
-          <a:ext cx="2950552" cy="1800000"/>
+          <a:off x="1865014" y="1000322"/>
+          <a:ext cx="4399984" cy="1800000"/>
         </p:xfrm>
         <a:graphic>
           <a:graphicData uri="http://schemas.openxmlformats.org/drawingml/2006/table">
@@ -3389,28 +3389,28 @@
                 <a:tableStyleId>{21E4AEA4-8DFA-4A89-87EB-49C32662AFE0}</a:tableStyleId>
               </a:tblPr>
               <a:tblGrid>
-                <a:gridCol w="737638">
+                <a:gridCol w="841972">
                   <a:extLst>
                     <a:ext uri="{9D8B030D-6E8A-4147-A177-3AD203B41FA5}">
                       <a16:colId xmlns:a16="http://schemas.microsoft.com/office/drawing/2014/main" val="669588713"/>
                     </a:ext>
                   </a:extLst>
                 </a:gridCol>
-                <a:gridCol w="737638">
+                <a:gridCol w="1122630">
                   <a:extLst>
                     <a:ext uri="{9D8B030D-6E8A-4147-A177-3AD203B41FA5}">
                       <a16:colId xmlns:a16="http://schemas.microsoft.com/office/drawing/2014/main" val="648087067"/>
                     </a:ext>
                   </a:extLst>
                 </a:gridCol>
-                <a:gridCol w="737638">
+                <a:gridCol w="1335386">
                   <a:extLst>
                     <a:ext uri="{9D8B030D-6E8A-4147-A177-3AD203B41FA5}">
                       <a16:colId xmlns:a16="http://schemas.microsoft.com/office/drawing/2014/main" val="1523429836"/>
                     </a:ext>
                   </a:extLst>
                 </a:gridCol>
-                <a:gridCol w="737638">
+                <a:gridCol w="1099996">
                   <a:extLst>
                     <a:ext uri="{9D8B030D-6E8A-4147-A177-3AD203B41FA5}">
                       <a16:colId xmlns:a16="http://schemas.microsoft.com/office/drawing/2014/main" val="407694382"/>
@@ -3426,7 +3426,7 @@
                     <a:p>
                       <a:pPr algn="ctr"/>
                       <a:r>
-                        <a:rPr lang="en-GB" sz="900" dirty="0">
+                        <a:rPr lang="en-GB" sz="900">
                           <a:solidFill>
                             <a:schemeClr val="tx1"/>
                           </a:solidFill>
@@ -3445,7 +3445,7 @@
                     <a:p>
                       <a:pPr algn="ctr"/>
                       <a:r>
-                        <a:rPr lang="en-GB" sz="900" dirty="0">
+                        <a:rPr lang="en-GB" sz="900">
                           <a:solidFill>
                             <a:schemeClr val="tx1"/>
                           </a:solidFill>
@@ -3464,7 +3464,7 @@
                     <a:p>
                       <a:pPr algn="ctr"/>
                       <a:r>
-                        <a:rPr lang="en-GB" sz="900" dirty="0">
+                        <a:rPr lang="en-GB" sz="900">
                           <a:solidFill>
                             <a:schemeClr val="tx1"/>
                           </a:solidFill>
@@ -3483,13 +3483,13 @@
                     <a:p>
                       <a:pPr algn="ctr"/>
                       <a:r>
-                        <a:rPr lang="en-GB" sz="900" dirty="0">
+                        <a:rPr lang="en-GB" sz="900">
                           <a:solidFill>
                             <a:schemeClr val="tx1"/>
                           </a:solidFill>
                           <a:latin typeface="+mn-lt"/>
                         </a:rPr>
-                        <a:t>factor_file</a:t>
+                        <a:t>recode_with</a:t>
                       </a:r>
                     </a:p>
                   </a:txBody>
@@ -3507,49 +3507,61 @@
                     <a:bodyPr/>
                     <a:lstStyle/>
                     <a:p>
-                      <a:pPr algn="ctr"/>
-                      <a:endParaRPr lang="en-GB" sz="900">
-                        <a:latin typeface="+mn-lt"/>
-                      </a:endParaRPr>
-                    </a:p>
-                  </a:txBody>
-                  <a:tcPr anchor="ctr"/>
-                </a:tc>
-                <a:tc>
-                  <a:txBody>
-                    <a:bodyPr/>
-                    <a:lstStyle/>
-                    <a:p>
-                      <a:pPr algn="ctr"/>
-                      <a:endParaRPr lang="en-GB" sz="900">
-                        <a:latin typeface="+mn-lt"/>
-                      </a:endParaRPr>
-                    </a:p>
-                  </a:txBody>
-                  <a:tcPr anchor="ctr"/>
-                </a:tc>
-                <a:tc>
-                  <a:txBody>
-                    <a:bodyPr/>
-                    <a:lstStyle/>
-                    <a:p>
-                      <a:pPr algn="ctr"/>
-                      <a:endParaRPr lang="en-GB" sz="900" dirty="0">
-                        <a:latin typeface="+mn-lt"/>
-                      </a:endParaRPr>
-                    </a:p>
-                  </a:txBody>
-                  <a:tcPr anchor="ctr"/>
-                </a:tc>
-                <a:tc>
-                  <a:txBody>
-                    <a:bodyPr/>
-                    <a:lstStyle/>
-                    <a:p>
-                      <a:pPr algn="ctr"/>
-                      <a:endParaRPr lang="en-GB" sz="900">
-                        <a:latin typeface="+mn-lt"/>
-                      </a:endParaRPr>
+                      <a:pPr algn="l"/>
+                      <a:r>
+                        <a:rPr lang="en-GB" sz="900">
+                          <a:latin typeface="+mn-lt"/>
+                        </a:rPr>
+                        <a:t>START</a:t>
+                      </a:r>
+                    </a:p>
+                  </a:txBody>
+                  <a:tcPr anchor="ctr"/>
+                </a:tc>
+                <a:tc>
+                  <a:txBody>
+                    <a:bodyPr/>
+                    <a:lstStyle/>
+                    <a:p>
+                      <a:pPr algn="l"/>
+                      <a:r>
+                        <a:rPr lang="en-GB" sz="900">
+                          <a:latin typeface="+mn-lt"/>
+                        </a:rPr>
+                        <a:t>origin</a:t>
+                      </a:r>
+                    </a:p>
+                  </a:txBody>
+                  <a:tcPr anchor="ctr"/>
+                </a:tc>
+                <a:tc>
+                  <a:txBody>
+                    <a:bodyPr/>
+                    <a:lstStyle/>
+                    <a:p>
+                      <a:pPr algn="l"/>
+                      <a:r>
+                        <a:rPr lang="en-GB" sz="900">
+                          <a:latin typeface="+mn-lt"/>
+                        </a:rPr>
+                        <a:t>Originating bus station.</a:t>
+                      </a:r>
+                    </a:p>
+                  </a:txBody>
+                  <a:tcPr anchor="ctr"/>
+                </a:tc>
+                <a:tc>
+                  <a:txBody>
+                    <a:bodyPr/>
+                    <a:lstStyle/>
+                    <a:p>
+                      <a:pPr algn="l"/>
+                      <a:r>
+                        <a:rPr lang="en-GB" sz="900">
+                          <a:latin typeface="+mn-lt"/>
+                        </a:rPr>
+                        <a:t>station_names.tsv</a:t>
+                      </a:r>
                     </a:p>
                   </a:txBody>
                   <a:tcPr anchor="ctr"/>
@@ -3566,49 +3578,61 @@
                     <a:bodyPr/>
                     <a:lstStyle/>
                     <a:p>
-                      <a:pPr algn="ctr"/>
-                      <a:endParaRPr lang="en-GB" sz="900">
-                        <a:latin typeface="+mn-lt"/>
-                      </a:endParaRPr>
-                    </a:p>
-                  </a:txBody>
-                  <a:tcPr anchor="ctr"/>
-                </a:tc>
-                <a:tc>
-                  <a:txBody>
-                    <a:bodyPr/>
-                    <a:lstStyle/>
-                    <a:p>
-                      <a:pPr algn="ctr"/>
-                      <a:endParaRPr lang="en-GB" sz="900">
-                        <a:latin typeface="+mn-lt"/>
-                      </a:endParaRPr>
-                    </a:p>
-                  </a:txBody>
-                  <a:tcPr anchor="ctr"/>
-                </a:tc>
-                <a:tc>
-                  <a:txBody>
-                    <a:bodyPr/>
-                    <a:lstStyle/>
-                    <a:p>
-                      <a:pPr algn="ctr"/>
-                      <a:endParaRPr lang="en-GB" sz="900">
-                        <a:latin typeface="+mn-lt"/>
-                      </a:endParaRPr>
-                    </a:p>
-                  </a:txBody>
-                  <a:tcPr anchor="ctr"/>
-                </a:tc>
-                <a:tc>
-                  <a:txBody>
-                    <a:bodyPr/>
-                    <a:lstStyle/>
-                    <a:p>
-                      <a:pPr algn="ctr"/>
-                      <a:endParaRPr lang="en-GB" sz="900" dirty="0">
-                        <a:latin typeface="+mn-lt"/>
-                      </a:endParaRPr>
+                      <a:pPr algn="l"/>
+                      <a:r>
+                        <a:rPr lang="en-GB" sz="900">
+                          <a:latin typeface="+mn-lt"/>
+                        </a:rPr>
+                        <a:t>TOUR</a:t>
+                      </a:r>
+                    </a:p>
+                  </a:txBody>
+                  <a:tcPr anchor="ctr"/>
+                </a:tc>
+                <a:tc>
+                  <a:txBody>
+                    <a:bodyPr/>
+                    <a:lstStyle/>
+                    <a:p>
+                      <a:pPr algn="l"/>
+                      <a:r>
+                        <a:rPr lang="en-GB" sz="900">
+                          <a:latin typeface="+mn-lt"/>
+                        </a:rPr>
+                        <a:t>tourist</a:t>
+                      </a:r>
+                    </a:p>
+                  </a:txBody>
+                  <a:tcPr anchor="ctr"/>
+                </a:tc>
+                <a:tc>
+                  <a:txBody>
+                    <a:bodyPr/>
+                    <a:lstStyle/>
+                    <a:p>
+                      <a:pPr algn="l"/>
+                      <a:r>
+                        <a:rPr lang="en-GB" sz="900">
+                          <a:latin typeface="+mn-lt"/>
+                        </a:rPr>
+                        <a:t>Is passenger a tourist?</a:t>
+                      </a:r>
+                    </a:p>
+                  </a:txBody>
+                  <a:tcPr anchor="ctr"/>
+                </a:tc>
+                <a:tc>
+                  <a:txBody>
+                    <a:bodyPr/>
+                    <a:lstStyle/>
+                    <a:p>
+                      <a:pPr algn="l"/>
+                      <a:r>
+                        <a:rPr lang="en-GB" sz="900">
+                          <a:latin typeface="+mn-lt"/>
+                        </a:rPr>
+                        <a:t>&lt;truefalse&gt;</a:t>
+                      </a:r>
                     </a:p>
                   </a:txBody>
                   <a:tcPr anchor="ctr"/>
@@ -3625,49 +3649,61 @@
                     <a:bodyPr/>
                     <a:lstStyle/>
                     <a:p>
-                      <a:pPr algn="ctr"/>
-                      <a:endParaRPr lang="en-GB" sz="900">
-                        <a:latin typeface="+mn-lt"/>
-                      </a:endParaRPr>
-                    </a:p>
-                  </a:txBody>
-                  <a:tcPr anchor="ctr"/>
-                </a:tc>
-                <a:tc>
-                  <a:txBody>
-                    <a:bodyPr/>
-                    <a:lstStyle/>
-                    <a:p>
-                      <a:pPr algn="ctr"/>
-                      <a:endParaRPr lang="en-GB" sz="900">
-                        <a:latin typeface="+mn-lt"/>
-                      </a:endParaRPr>
-                    </a:p>
-                  </a:txBody>
-                  <a:tcPr anchor="ctr"/>
-                </a:tc>
-                <a:tc>
-                  <a:txBody>
-                    <a:bodyPr/>
-                    <a:lstStyle/>
-                    <a:p>
-                      <a:pPr algn="ctr"/>
-                      <a:endParaRPr lang="en-GB" sz="900">
-                        <a:latin typeface="+mn-lt"/>
-                      </a:endParaRPr>
-                    </a:p>
-                  </a:txBody>
-                  <a:tcPr anchor="ctr"/>
-                </a:tc>
-                <a:tc>
-                  <a:txBody>
-                    <a:bodyPr/>
-                    <a:lstStyle/>
-                    <a:p>
-                      <a:pPr algn="ctr"/>
-                      <a:endParaRPr lang="en-GB" sz="900">
-                        <a:latin typeface="+mn-lt"/>
-                      </a:endParaRPr>
+                      <a:pPr algn="l"/>
+                      <a:r>
+                        <a:rPr lang="en-GB" sz="900">
+                          <a:latin typeface="+mn-lt"/>
+                        </a:rPr>
+                        <a:t>END</a:t>
+                      </a:r>
+                    </a:p>
+                  </a:txBody>
+                  <a:tcPr anchor="ctr"/>
+                </a:tc>
+                <a:tc>
+                  <a:txBody>
+                    <a:bodyPr/>
+                    <a:lstStyle/>
+                    <a:p>
+                      <a:pPr algn="l"/>
+                      <a:r>
+                        <a:rPr lang="en-GB" sz="900">
+                          <a:latin typeface="+mn-lt"/>
+                        </a:rPr>
+                        <a:t>destination</a:t>
+                      </a:r>
+                    </a:p>
+                  </a:txBody>
+                  <a:tcPr anchor="ctr"/>
+                </a:tc>
+                <a:tc>
+                  <a:txBody>
+                    <a:bodyPr/>
+                    <a:lstStyle/>
+                    <a:p>
+                      <a:pPr algn="l"/>
+                      <a:r>
+                        <a:rPr lang="en-GB" sz="900">
+                          <a:latin typeface="+mn-lt"/>
+                        </a:rPr>
+                        <a:t>Last bus station visited.</a:t>
+                      </a:r>
+                    </a:p>
+                  </a:txBody>
+                  <a:tcPr anchor="ctr"/>
+                </a:tc>
+                <a:tc>
+                  <a:txBody>
+                    <a:bodyPr/>
+                    <a:lstStyle/>
+                    <a:p>
+                      <a:pPr algn="l"/>
+                      <a:r>
+                        <a:rPr lang="en-GB" sz="900">
+                          <a:latin typeface="+mn-lt"/>
+                        </a:rPr>
+                        <a:t>station_names.tsv</a:t>
+                      </a:r>
                     </a:p>
                   </a:txBody>
                   <a:tcPr anchor="ctr"/>
@@ -3684,49 +3720,61 @@
                     <a:bodyPr/>
                     <a:lstStyle/>
                     <a:p>
-                      <a:pPr algn="ctr"/>
-                      <a:endParaRPr lang="en-GB" sz="900">
-                        <a:latin typeface="+mn-lt"/>
-                      </a:endParaRPr>
-                    </a:p>
-                  </a:txBody>
-                  <a:tcPr anchor="ctr"/>
-                </a:tc>
-                <a:tc>
-                  <a:txBody>
-                    <a:bodyPr/>
-                    <a:lstStyle/>
-                    <a:p>
-                      <a:pPr algn="ctr"/>
-                      <a:endParaRPr lang="en-GB" sz="900">
-                        <a:latin typeface="+mn-lt"/>
-                      </a:endParaRPr>
-                    </a:p>
-                  </a:txBody>
-                  <a:tcPr anchor="ctr"/>
-                </a:tc>
-                <a:tc>
-                  <a:txBody>
-                    <a:bodyPr/>
-                    <a:lstStyle/>
-                    <a:p>
-                      <a:pPr algn="ctr"/>
-                      <a:endParaRPr lang="en-GB" sz="900">
-                        <a:latin typeface="+mn-lt"/>
-                      </a:endParaRPr>
-                    </a:p>
-                  </a:txBody>
-                  <a:tcPr anchor="ctr"/>
-                </a:tc>
-                <a:tc>
-                  <a:txBody>
-                    <a:bodyPr/>
-                    <a:lstStyle/>
-                    <a:p>
-                      <a:pPr algn="ctr"/>
-                      <a:endParaRPr lang="en-GB" sz="900" dirty="0">
-                        <a:latin typeface="+mn-lt"/>
-                      </a:endParaRPr>
+                      <a:pPr algn="l"/>
+                      <a:r>
+                        <a:rPr lang="en-GB" sz="900">
+                          <a:latin typeface="+mn-lt"/>
+                        </a:rPr>
+                        <a:t>REASON</a:t>
+                      </a:r>
+                    </a:p>
+                  </a:txBody>
+                  <a:tcPr anchor="ctr"/>
+                </a:tc>
+                <a:tc>
+                  <a:txBody>
+                    <a:bodyPr/>
+                    <a:lstStyle/>
+                    <a:p>
+                      <a:pPr algn="l"/>
+                      <a:r>
+                        <a:rPr lang="en-GB" sz="900">
+                          <a:latin typeface="+mn-lt"/>
+                        </a:rPr>
+                        <a:t>reason_for_travel</a:t>
+                      </a:r>
+                    </a:p>
+                  </a:txBody>
+                  <a:tcPr anchor="ctr"/>
+                </a:tc>
+                <a:tc>
+                  <a:txBody>
+                    <a:bodyPr/>
+                    <a:lstStyle/>
+                    <a:p>
+                      <a:pPr algn="l"/>
+                      <a:r>
+                        <a:rPr lang="en-GB" sz="900">
+                          <a:latin typeface="+mn-lt"/>
+                        </a:rPr>
+                        <a:t>Stated reason for travel.</a:t>
+                      </a:r>
+                    </a:p>
+                  </a:txBody>
+                  <a:tcPr anchor="ctr"/>
+                </a:tc>
+                <a:tc>
+                  <a:txBody>
+                    <a:bodyPr/>
+                    <a:lstStyle/>
+                    <a:p>
+                      <a:pPr algn="l"/>
+                      <a:r>
+                        <a:rPr lang="en-GB" sz="900">
+                          <a:latin typeface="+mn-lt"/>
+                        </a:rPr>
+                        <a:t>travel_reasons.tsv</a:t>
+                      </a:r>
                     </a:p>
                   </a:txBody>
                   <a:tcPr anchor="ctr"/>
@@ -3756,14 +3804,14 @@
           <p:nvPr>
             <p:extLst>
               <p:ext uri="{D42A27DB-BD31-4B8C-83A1-F6EECF244321}">
-                <p14:modId xmlns:p14="http://schemas.microsoft.com/office/powerpoint/2010/main" val="2496454216"/>
+                <p14:modId xmlns:p14="http://schemas.microsoft.com/office/powerpoint/2010/main" val="3218101567"/>
               </p:ext>
             </p:extLst>
           </p:nvPr>
         </p:nvGraphicFramePr>
         <p:xfrm>
-          <a:off x="6651799" y="233673"/>
-          <a:ext cx="2265864" cy="1800000"/>
+          <a:off x="6651798" y="514328"/>
+          <a:ext cx="2628004" cy="1800000"/>
         </p:xfrm>
         <a:graphic>
           <a:graphicData uri="http://schemas.openxmlformats.org/drawingml/2006/table">
@@ -3772,28 +3820,28 @@
                 <a:tableStyleId>{5C22544A-7EE6-4342-B048-85BDC9FD1C3A}</a:tableStyleId>
               </a:tblPr>
               <a:tblGrid>
-                <a:gridCol w="566466">
+                <a:gridCol w="657001">
                   <a:extLst>
                     <a:ext uri="{9D8B030D-6E8A-4147-A177-3AD203B41FA5}">
                       <a16:colId xmlns:a16="http://schemas.microsoft.com/office/drawing/2014/main" val="780488510"/>
                     </a:ext>
                   </a:extLst>
                 </a:gridCol>
-                <a:gridCol w="566466">
+                <a:gridCol w="731709">
                   <a:extLst>
                     <a:ext uri="{9D8B030D-6E8A-4147-A177-3AD203B41FA5}">
                       <a16:colId xmlns:a16="http://schemas.microsoft.com/office/drawing/2014/main" val="2028389368"/>
                     </a:ext>
                   </a:extLst>
                 </a:gridCol>
-                <a:gridCol w="566466">
+                <a:gridCol w="582293">
                   <a:extLst>
                     <a:ext uri="{9D8B030D-6E8A-4147-A177-3AD203B41FA5}">
                       <a16:colId xmlns:a16="http://schemas.microsoft.com/office/drawing/2014/main" val="2876044090"/>
                     </a:ext>
                   </a:extLst>
                 </a:gridCol>
-                <a:gridCol w="566466">
+                <a:gridCol w="657001">
                   <a:extLst>
                     <a:ext uri="{9D8B030D-6E8A-4147-A177-3AD203B41FA5}">
                       <a16:colId xmlns:a16="http://schemas.microsoft.com/office/drawing/2014/main" val="236608661"/>
@@ -3809,7 +3857,7 @@
                     <a:p>
                       <a:pPr algn="ctr"/>
                       <a:r>
-                        <a:rPr lang="en-GB" sz="900" dirty="0"/>
+                        <a:rPr lang="en-GB" sz="900"/>
                         <a:t>levels</a:t>
                       </a:r>
                     </a:p>
@@ -3823,7 +3871,7 @@
                     <a:p>
                       <a:pPr algn="ctr"/>
                       <a:r>
-                        <a:rPr lang="en-GB" sz="900" dirty="0"/>
+                        <a:rPr lang="en-GB" sz="900"/>
                         <a:t>labels</a:t>
                       </a:r>
                     </a:p>
@@ -3837,7 +3885,7 @@
                     <a:p>
                       <a:pPr algn="ctr"/>
                       <a:r>
-                        <a:rPr lang="en-GB" sz="900" dirty="0"/>
+                        <a:rPr lang="en-GB" sz="900"/>
                         <a:t>ordered</a:t>
                       </a:r>
                     </a:p>
@@ -3851,7 +3899,7 @@
                     <a:p>
                       <a:pPr algn="ctr"/>
                       <a:r>
-                        <a:rPr lang="en-GB" sz="900" dirty="0"/>
+                        <a:rPr lang="en-GB" sz="900"/>
                         <a:t>exclude</a:t>
                       </a:r>
                     </a:p>
@@ -3870,7 +3918,35 @@
                     <a:bodyPr/>
                     <a:lstStyle/>
                     <a:p>
-                      <a:pPr algn="ctr"/>
+                      <a:pPr algn="l"/>
+                      <a:r>
+                        <a:rPr lang="en-GB" sz="900"/>
+                        <a:t>MAR</a:t>
+                      </a:r>
+                    </a:p>
+                  </a:txBody>
+                  <a:tcPr anchor="ctr"/>
+                </a:tc>
+                <a:tc>
+                  <a:txBody>
+                    <a:bodyPr/>
+                    <a:lstStyle/>
+                    <a:p>
+                      <a:pPr algn="l"/>
+                      <a:r>
+                        <a:rPr lang="en-GB" sz="900"/>
+                        <a:t>Marlot St.</a:t>
+                      </a:r>
+                    </a:p>
+                  </a:txBody>
+                  <a:tcPr anchor="ctr"/>
+                </a:tc>
+                <a:tc>
+                  <a:txBody>
+                    <a:bodyPr/>
+                    <a:lstStyle/>
+                    <a:p>
+                      <a:pPr algn="l"/>
                       <a:endParaRPr lang="en-GB" sz="900"/>
                     </a:p>
                   </a:txBody>
@@ -3881,29 +3957,7 @@
                     <a:bodyPr/>
                     <a:lstStyle/>
                     <a:p>
-                      <a:pPr algn="ctr"/>
-                      <a:endParaRPr lang="en-GB" sz="900"/>
-                    </a:p>
-                  </a:txBody>
-                  <a:tcPr anchor="ctr"/>
-                </a:tc>
-                <a:tc>
-                  <a:txBody>
-                    <a:bodyPr/>
-                    <a:lstStyle/>
-                    <a:p>
-                      <a:pPr algn="ctr"/>
-                      <a:endParaRPr lang="en-GB" sz="900"/>
-                    </a:p>
-                  </a:txBody>
-                  <a:tcPr anchor="ctr"/>
-                </a:tc>
-                <a:tc>
-                  <a:txBody>
-                    <a:bodyPr/>
-                    <a:lstStyle/>
-                    <a:p>
-                      <a:pPr algn="ctr"/>
+                      <a:pPr algn="l"/>
                       <a:endParaRPr lang="en-GB" sz="900"/>
                     </a:p>
                   </a:txBody>
@@ -3921,7 +3975,35 @@
                     <a:bodyPr/>
                     <a:lstStyle/>
                     <a:p>
-                      <a:pPr algn="ctr"/>
+                      <a:pPr algn="l"/>
+                      <a:r>
+                        <a:rPr lang="en-GB" sz="900"/>
+                        <a:t>BEL</a:t>
+                      </a:r>
+                    </a:p>
+                  </a:txBody>
+                  <a:tcPr anchor="ctr"/>
+                </a:tc>
+                <a:tc>
+                  <a:txBody>
+                    <a:bodyPr/>
+                    <a:lstStyle/>
+                    <a:p>
+                      <a:pPr algn="l"/>
+                      <a:r>
+                        <a:rPr lang="en-GB" sz="900"/>
+                        <a:t>Belling Rd.</a:t>
+                      </a:r>
+                    </a:p>
+                  </a:txBody>
+                  <a:tcPr anchor="ctr"/>
+                </a:tc>
+                <a:tc>
+                  <a:txBody>
+                    <a:bodyPr/>
+                    <a:lstStyle/>
+                    <a:p>
+                      <a:pPr algn="l"/>
                       <a:endParaRPr lang="en-GB" sz="900"/>
                     </a:p>
                   </a:txBody>
@@ -3932,29 +4014,7 @@
                     <a:bodyPr/>
                     <a:lstStyle/>
                     <a:p>
-                      <a:pPr algn="ctr"/>
-                      <a:endParaRPr lang="en-GB" sz="900"/>
-                    </a:p>
-                  </a:txBody>
-                  <a:tcPr anchor="ctr"/>
-                </a:tc>
-                <a:tc>
-                  <a:txBody>
-                    <a:bodyPr/>
-                    <a:lstStyle/>
-                    <a:p>
-                      <a:pPr algn="ctr"/>
-                      <a:endParaRPr lang="en-GB" sz="900"/>
-                    </a:p>
-                  </a:txBody>
-                  <a:tcPr anchor="ctr"/>
-                </a:tc>
-                <a:tc>
-                  <a:txBody>
-                    <a:bodyPr/>
-                    <a:lstStyle/>
-                    <a:p>
-                      <a:pPr algn="ctr"/>
+                      <a:pPr algn="l"/>
                       <a:endParaRPr lang="en-GB" sz="900"/>
                     </a:p>
                   </a:txBody>
@@ -3972,7 +4032,35 @@
                     <a:bodyPr/>
                     <a:lstStyle/>
                     <a:p>
-                      <a:pPr algn="ctr"/>
+                      <a:pPr algn="l"/>
+                      <a:r>
+                        <a:rPr lang="en-GB" sz="900"/>
+                        <a:t>CTL</a:t>
+                      </a:r>
+                    </a:p>
+                  </a:txBody>
+                  <a:tcPr anchor="ctr"/>
+                </a:tc>
+                <a:tc>
+                  <a:txBody>
+                    <a:bodyPr/>
+                    <a:lstStyle/>
+                    <a:p>
+                      <a:pPr algn="l"/>
+                      <a:r>
+                        <a:rPr lang="en-GB" sz="900"/>
+                        <a:t>Central Stn.</a:t>
+                      </a:r>
+                    </a:p>
+                  </a:txBody>
+                  <a:tcPr anchor="ctr"/>
+                </a:tc>
+                <a:tc>
+                  <a:txBody>
+                    <a:bodyPr/>
+                    <a:lstStyle/>
+                    <a:p>
+                      <a:pPr algn="l"/>
                       <a:endParaRPr lang="en-GB" sz="900"/>
                     </a:p>
                   </a:txBody>
@@ -3983,29 +4071,7 @@
                     <a:bodyPr/>
                     <a:lstStyle/>
                     <a:p>
-                      <a:pPr algn="ctr"/>
-                      <a:endParaRPr lang="en-GB" sz="900"/>
-                    </a:p>
-                  </a:txBody>
-                  <a:tcPr anchor="ctr"/>
-                </a:tc>
-                <a:tc>
-                  <a:txBody>
-                    <a:bodyPr/>
-                    <a:lstStyle/>
-                    <a:p>
-                      <a:pPr algn="ctr"/>
-                      <a:endParaRPr lang="en-GB" sz="900"/>
-                    </a:p>
-                  </a:txBody>
-                  <a:tcPr anchor="ctr"/>
-                </a:tc>
-                <a:tc>
-                  <a:txBody>
-                    <a:bodyPr/>
-                    <a:lstStyle/>
-                    <a:p>
-                      <a:pPr algn="ctr"/>
+                      <a:pPr algn="l"/>
                       <a:endParaRPr lang="en-GB" sz="900"/>
                     </a:p>
                   </a:txBody>
@@ -4023,7 +4089,35 @@
                     <a:bodyPr/>
                     <a:lstStyle/>
                     <a:p>
-                      <a:pPr algn="ctr"/>
+                      <a:pPr algn="l"/>
+                      <a:r>
+                        <a:rPr lang="en-GB" sz="900"/>
+                        <a:t>LON</a:t>
+                      </a:r>
+                    </a:p>
+                  </a:txBody>
+                  <a:tcPr anchor="ctr"/>
+                </a:tc>
+                <a:tc>
+                  <a:txBody>
+                    <a:bodyPr/>
+                    <a:lstStyle/>
+                    <a:p>
+                      <a:pPr algn="l"/>
+                      <a:r>
+                        <a:rPr lang="en-GB" sz="900"/>
+                        <a:t>Lontre Stn.</a:t>
+                      </a:r>
+                    </a:p>
+                  </a:txBody>
+                  <a:tcPr anchor="ctr"/>
+                </a:tc>
+                <a:tc>
+                  <a:txBody>
+                    <a:bodyPr/>
+                    <a:lstStyle/>
+                    <a:p>
+                      <a:pPr algn="l"/>
                       <a:endParaRPr lang="en-GB" sz="900"/>
                     </a:p>
                   </a:txBody>
@@ -4034,29 +4128,7 @@
                     <a:bodyPr/>
                     <a:lstStyle/>
                     <a:p>
-                      <a:pPr algn="ctr"/>
-                      <a:endParaRPr lang="en-GB" sz="900"/>
-                    </a:p>
-                  </a:txBody>
-                  <a:tcPr anchor="ctr"/>
-                </a:tc>
-                <a:tc>
-                  <a:txBody>
-                    <a:bodyPr/>
-                    <a:lstStyle/>
-                    <a:p>
-                      <a:pPr algn="ctr"/>
-                      <a:endParaRPr lang="en-GB" sz="900"/>
-                    </a:p>
-                  </a:txBody>
-                  <a:tcPr anchor="ctr"/>
-                </a:tc>
-                <a:tc>
-                  <a:txBody>
-                    <a:bodyPr/>
-                    <a:lstStyle/>
-                    <a:p>
-                      <a:pPr algn="ctr"/>
+                      <a:pPr algn="l"/>
                       <a:endParaRPr lang="en-GB" sz="900"/>
                     </a:p>
                   </a:txBody>
@@ -4074,7 +4146,35 @@
                     <a:bodyPr/>
                     <a:lstStyle/>
                     <a:p>
-                      <a:pPr algn="ctr"/>
+                      <a:pPr algn="l"/>
+                      <a:r>
+                        <a:rPr lang="en-GB" sz="900"/>
+                        <a:t>UNK</a:t>
+                      </a:r>
+                    </a:p>
+                  </a:txBody>
+                  <a:tcPr anchor="ctr"/>
+                </a:tc>
+                <a:tc>
+                  <a:txBody>
+                    <a:bodyPr/>
+                    <a:lstStyle/>
+                    <a:p>
+                      <a:pPr algn="l"/>
+                      <a:r>
+                        <a:rPr lang="en-GB" sz="900"/>
+                        <a:t>Unknown</a:t>
+                      </a:r>
+                    </a:p>
+                  </a:txBody>
+                  <a:tcPr anchor="ctr"/>
+                </a:tc>
+                <a:tc>
+                  <a:txBody>
+                    <a:bodyPr/>
+                    <a:lstStyle/>
+                    <a:p>
+                      <a:pPr algn="l"/>
                       <a:endParaRPr lang="en-GB" sz="900"/>
                     </a:p>
                   </a:txBody>
@@ -4085,30 +4185,11 @@
                     <a:bodyPr/>
                     <a:lstStyle/>
                     <a:p>
-                      <a:pPr algn="ctr"/>
-                      <a:endParaRPr lang="en-GB" sz="900" dirty="0"/>
-                    </a:p>
-                  </a:txBody>
-                  <a:tcPr anchor="ctr"/>
-                </a:tc>
-                <a:tc>
-                  <a:txBody>
-                    <a:bodyPr/>
-                    <a:lstStyle/>
-                    <a:p>
-                      <a:pPr algn="ctr"/>
-                      <a:endParaRPr lang="en-GB" sz="900" dirty="0"/>
-                    </a:p>
-                  </a:txBody>
-                  <a:tcPr anchor="ctr"/>
-                </a:tc>
-                <a:tc>
-                  <a:txBody>
-                    <a:bodyPr/>
-                    <a:lstStyle/>
-                    <a:p>
-                      <a:pPr algn="ctr"/>
-                      <a:endParaRPr lang="en-GB" sz="900" dirty="0"/>
+                      <a:pPr algn="l"/>
+                      <a:r>
+                        <a:rPr lang="en-GB" sz="900"/>
+                        <a:t>TRUE</a:t>
+                      </a:r>
                     </a:p>
                   </a:txBody>
                   <a:tcPr anchor="ctr"/>
@@ -4138,14 +4219,14 @@
           <p:nvPr>
             <p:extLst>
               <p:ext uri="{D42A27DB-BD31-4B8C-83A1-F6EECF244321}">
-                <p14:modId xmlns:p14="http://schemas.microsoft.com/office/powerpoint/2010/main" val="1498710372"/>
+                <p14:modId xmlns:p14="http://schemas.microsoft.com/office/powerpoint/2010/main" val="2288632697"/>
               </p:ext>
             </p:extLst>
           </p:nvPr>
         </p:nvGraphicFramePr>
         <p:xfrm>
-          <a:off x="6651801" y="2346303"/>
-          <a:ext cx="2265860" cy="1200000"/>
+          <a:off x="6651798" y="2978109"/>
+          <a:ext cx="2628000" cy="1200000"/>
         </p:xfrm>
         <a:graphic>
           <a:graphicData uri="http://schemas.openxmlformats.org/drawingml/2006/table">
@@ -4154,28 +4235,28 @@
                 <a:tableStyleId>{93296810-A885-4BE3-A3E7-6D5BEEA58F35}</a:tableStyleId>
               </a:tblPr>
               <a:tblGrid>
-                <a:gridCol w="566465">
+                <a:gridCol w="657000">
                   <a:extLst>
                     <a:ext uri="{9D8B030D-6E8A-4147-A177-3AD203B41FA5}">
                       <a16:colId xmlns:a16="http://schemas.microsoft.com/office/drawing/2014/main" val="780488510"/>
                     </a:ext>
                   </a:extLst>
                 </a:gridCol>
-                <a:gridCol w="566465">
+                <a:gridCol w="730677">
                   <a:extLst>
                     <a:ext uri="{9D8B030D-6E8A-4147-A177-3AD203B41FA5}">
                       <a16:colId xmlns:a16="http://schemas.microsoft.com/office/drawing/2014/main" val="2028389368"/>
                     </a:ext>
                   </a:extLst>
                 </a:gridCol>
-                <a:gridCol w="566465">
+                <a:gridCol w="583323">
                   <a:extLst>
                     <a:ext uri="{9D8B030D-6E8A-4147-A177-3AD203B41FA5}">
                       <a16:colId xmlns:a16="http://schemas.microsoft.com/office/drawing/2014/main" val="2876044090"/>
                     </a:ext>
                   </a:extLst>
                 </a:gridCol>
-                <a:gridCol w="566465">
+                <a:gridCol w="657000">
                   <a:extLst>
                     <a:ext uri="{9D8B030D-6E8A-4147-A177-3AD203B41FA5}">
                       <a16:colId xmlns:a16="http://schemas.microsoft.com/office/drawing/2014/main" val="611565195"/>
@@ -4194,7 +4275,6 @@
                         <a:rPr lang="en-GB" sz="900"/>
                         <a:t>levels</a:t>
                       </a:r>
-                      <a:endParaRPr lang="en-GB" sz="900" dirty="0"/>
                     </a:p>
                   </a:txBody>
                   <a:tcPr anchor="ctr"/>
@@ -4206,7 +4286,7 @@
                     <a:p>
                       <a:pPr algn="ctr"/>
                       <a:r>
-                        <a:rPr lang="en-GB" sz="900" dirty="0"/>
+                        <a:rPr lang="en-GB" sz="900"/>
                         <a:t>labels</a:t>
                       </a:r>
                     </a:p>
@@ -4220,7 +4300,7 @@
                     <a:p>
                       <a:pPr algn="ctr"/>
                       <a:r>
-                        <a:rPr lang="en-GB" sz="900" dirty="0"/>
+                        <a:rPr lang="en-GB" sz="900"/>
                         <a:t>ordered</a:t>
                       </a:r>
                     </a:p>
@@ -4234,7 +4314,7 @@
                     <a:p>
                       <a:pPr algn="ctr"/>
                       <a:r>
-                        <a:rPr lang="en-GB" sz="900" dirty="0"/>
+                        <a:rPr lang="en-GB" sz="900"/>
                         <a:t>exclude</a:t>
                       </a:r>
                     </a:p>
@@ -4253,7 +4333,35 @@
                     <a:bodyPr/>
                     <a:lstStyle/>
                     <a:p>
-                      <a:pPr algn="ctr"/>
+                      <a:pPr algn="l"/>
+                      <a:r>
+                        <a:rPr lang="en-GB" sz="900"/>
+                        <a:t>1</a:t>
+                      </a:r>
+                    </a:p>
+                  </a:txBody>
+                  <a:tcPr anchor="ctr"/>
+                </a:tc>
+                <a:tc>
+                  <a:txBody>
+                    <a:bodyPr/>
+                    <a:lstStyle/>
+                    <a:p>
+                      <a:pPr algn="l"/>
+                      <a:r>
+                        <a:rPr lang="en-GB" sz="900"/>
+                        <a:t>Work</a:t>
+                      </a:r>
+                    </a:p>
+                  </a:txBody>
+                  <a:tcPr anchor="ctr"/>
+                </a:tc>
+                <a:tc>
+                  <a:txBody>
+                    <a:bodyPr/>
+                    <a:lstStyle/>
+                    <a:p>
+                      <a:pPr algn="l"/>
                       <a:endParaRPr lang="en-GB" sz="900"/>
                     </a:p>
                   </a:txBody>
@@ -4264,30 +4372,8 @@
                     <a:bodyPr/>
                     <a:lstStyle/>
                     <a:p>
-                      <a:pPr algn="ctr"/>
+                      <a:pPr algn="l"/>
                       <a:endParaRPr lang="en-GB" sz="900"/>
-                    </a:p>
-                  </a:txBody>
-                  <a:tcPr anchor="ctr"/>
-                </a:tc>
-                <a:tc>
-                  <a:txBody>
-                    <a:bodyPr/>
-                    <a:lstStyle/>
-                    <a:p>
-                      <a:pPr algn="ctr"/>
-                      <a:endParaRPr lang="en-GB" sz="900" dirty="0"/>
-                    </a:p>
-                  </a:txBody>
-                  <a:tcPr anchor="ctr"/>
-                </a:tc>
-                <a:tc>
-                  <a:txBody>
-                    <a:bodyPr/>
-                    <a:lstStyle/>
-                    <a:p>
-                      <a:pPr algn="ctr"/>
-                      <a:endParaRPr lang="en-GB" sz="900" dirty="0"/>
                     </a:p>
                   </a:txBody>
                   <a:tcPr anchor="ctr"/>
@@ -4304,7 +4390,35 @@
                     <a:bodyPr/>
                     <a:lstStyle/>
                     <a:p>
-                      <a:pPr algn="ctr"/>
+                      <a:pPr algn="l"/>
+                      <a:r>
+                        <a:rPr lang="en-GB" sz="900"/>
+                        <a:t>2</a:t>
+                      </a:r>
+                    </a:p>
+                  </a:txBody>
+                  <a:tcPr anchor="ctr"/>
+                </a:tc>
+                <a:tc>
+                  <a:txBody>
+                    <a:bodyPr/>
+                    <a:lstStyle/>
+                    <a:p>
+                      <a:pPr algn="l"/>
+                      <a:r>
+                        <a:rPr lang="en-GB" sz="900"/>
+                        <a:t>Errands</a:t>
+                      </a:r>
+                    </a:p>
+                  </a:txBody>
+                  <a:tcPr anchor="ctr"/>
+                </a:tc>
+                <a:tc>
+                  <a:txBody>
+                    <a:bodyPr/>
+                    <a:lstStyle/>
+                    <a:p>
+                      <a:pPr algn="l"/>
                       <a:endParaRPr lang="en-GB" sz="900"/>
                     </a:p>
                   </a:txBody>
@@ -4315,29 +4429,7 @@
                     <a:bodyPr/>
                     <a:lstStyle/>
                     <a:p>
-                      <a:pPr algn="ctr"/>
-                      <a:endParaRPr lang="en-GB" sz="900"/>
-                    </a:p>
-                  </a:txBody>
-                  <a:tcPr anchor="ctr"/>
-                </a:tc>
-                <a:tc>
-                  <a:txBody>
-                    <a:bodyPr/>
-                    <a:lstStyle/>
-                    <a:p>
-                      <a:pPr algn="ctr"/>
-                      <a:endParaRPr lang="en-GB" sz="900"/>
-                    </a:p>
-                  </a:txBody>
-                  <a:tcPr anchor="ctr"/>
-                </a:tc>
-                <a:tc>
-                  <a:txBody>
-                    <a:bodyPr/>
-                    <a:lstStyle/>
-                    <a:p>
-                      <a:pPr algn="ctr"/>
+                      <a:pPr algn="l"/>
                       <a:endParaRPr lang="en-GB" sz="900"/>
                     </a:p>
                   </a:txBody>
@@ -4355,7 +4447,35 @@
                     <a:bodyPr/>
                     <a:lstStyle/>
                     <a:p>
-                      <a:pPr algn="ctr"/>
+                      <a:pPr algn="l"/>
+                      <a:r>
+                        <a:rPr lang="en-GB" sz="900"/>
+                        <a:t>3</a:t>
+                      </a:r>
+                    </a:p>
+                  </a:txBody>
+                  <a:tcPr anchor="ctr"/>
+                </a:tc>
+                <a:tc>
+                  <a:txBody>
+                    <a:bodyPr/>
+                    <a:lstStyle/>
+                    <a:p>
+                      <a:pPr algn="l"/>
+                      <a:r>
+                        <a:rPr lang="en-GB" sz="900"/>
+                        <a:t>Leisure</a:t>
+                      </a:r>
+                    </a:p>
+                  </a:txBody>
+                  <a:tcPr anchor="ctr"/>
+                </a:tc>
+                <a:tc>
+                  <a:txBody>
+                    <a:bodyPr/>
+                    <a:lstStyle/>
+                    <a:p>
+                      <a:pPr algn="l"/>
                       <a:endParaRPr lang="en-GB" sz="900"/>
                     </a:p>
                   </a:txBody>
@@ -4366,30 +4486,8 @@
                     <a:bodyPr/>
                     <a:lstStyle/>
                     <a:p>
-                      <a:pPr algn="ctr"/>
+                      <a:pPr algn="l"/>
                       <a:endParaRPr lang="en-GB" sz="900"/>
-                    </a:p>
-                  </a:txBody>
-                  <a:tcPr anchor="ctr"/>
-                </a:tc>
-                <a:tc>
-                  <a:txBody>
-                    <a:bodyPr/>
-                    <a:lstStyle/>
-                    <a:p>
-                      <a:pPr algn="ctr"/>
-                      <a:endParaRPr lang="en-GB" sz="900" dirty="0"/>
-                    </a:p>
-                  </a:txBody>
-                  <a:tcPr anchor="ctr"/>
-                </a:tc>
-                <a:tc>
-                  <a:txBody>
-                    <a:bodyPr/>
-                    <a:lstStyle/>
-                    <a:p>
-                      <a:pPr algn="ctr"/>
-                      <a:endParaRPr lang="en-GB" sz="900" dirty="0"/>
                     </a:p>
                   </a:txBody>
                   <a:tcPr anchor="ctr"/>
@@ -4413,13 +4511,15 @@
               </a:ext>
             </a:extLst>
           </p:cNvPr>
-          <p:cNvCxnSpPr/>
+          <p:cNvCxnSpPr>
+            <a:cxnSpLocks/>
+          </p:cNvCxnSpPr>
           <p:nvPr/>
         </p:nvCxnSpPr>
         <p:spPr>
           <a:xfrm flipH="1">
-            <a:off x="5159829" y="719667"/>
-            <a:ext cx="1491973" cy="558627"/>
+            <a:off x="6180499" y="1000322"/>
+            <a:ext cx="471299" cy="511237"/>
           </a:xfrm>
           <a:prstGeom prst="straightConnector1">
             <a:avLst/>
@@ -4452,13 +4552,15 @@
               </a:ext>
             </a:extLst>
           </p:cNvPr>
-          <p:cNvCxnSpPr/>
+          <p:cNvCxnSpPr>
+            <a:cxnSpLocks/>
+          </p:cNvCxnSpPr>
           <p:nvPr/>
         </p:nvCxnSpPr>
         <p:spPr>
           <a:xfrm flipH="1">
-            <a:off x="5159829" y="719667"/>
-            <a:ext cx="1491973" cy="1314006"/>
+            <a:off x="6096000" y="1000322"/>
+            <a:ext cx="555798" cy="1208430"/>
           </a:xfrm>
           <a:prstGeom prst="straightConnector1">
             <a:avLst/>
@@ -4491,13 +4593,15 @@
               </a:ext>
             </a:extLst>
           </p:cNvPr>
-          <p:cNvCxnSpPr/>
+          <p:cNvCxnSpPr>
+            <a:cxnSpLocks/>
+          </p:cNvCxnSpPr>
           <p:nvPr/>
         </p:nvCxnSpPr>
         <p:spPr>
           <a:xfrm flipH="1" flipV="1">
-            <a:off x="5159829" y="2346303"/>
-            <a:ext cx="1491973" cy="667485"/>
+            <a:off x="6096000" y="2697454"/>
+            <a:ext cx="555798" cy="397055"/>
           </a:xfrm>
           <a:prstGeom prst="straightConnector1">
             <a:avLst/>
@@ -4535,7 +4639,7 @@
         </p:nvSpPr>
         <p:spPr>
           <a:xfrm>
-            <a:off x="4982546" y="4085664"/>
+            <a:off x="4982546" y="4458764"/>
             <a:ext cx="4814597" cy="1477328"/>
           </a:xfrm>
           <a:prstGeom prst="rect">
@@ -4550,7 +4654,7 @@
           <a:lstStyle/>
           <a:p>
             <a:r>
-              <a:rPr lang="en-GB" dirty="0">
+              <a:rPr lang="en-GB">
                 <a:latin typeface="Hack" panose="020B0609030202020204" pitchFamily="49" charset="0"/>
                 <a:ea typeface="Hack" panose="020B0609030202020204" pitchFamily="49" charset="0"/>
                 <a:cs typeface="Hack" panose="020B0609030202020204" pitchFamily="49" charset="0"/>
@@ -4558,15 +4662,15 @@
               <a:t>1. </a:t>
             </a:r>
             <a:r>
-              <a:rPr lang="en-GB" dirty="0" err="1">
+              <a:rPr lang="en-GB" err="1">
                 <a:latin typeface="Hack" panose="020B0609030202020204" pitchFamily="49" charset="0"/>
                 <a:ea typeface="Hack" panose="020B0609030202020204" pitchFamily="49" charset="0"/>
                 <a:cs typeface="Hack" panose="020B0609030202020204" pitchFamily="49" charset="0"/>
               </a:rPr>
-              <a:t>factorise_with_dictionary</a:t>
-            </a:r>
-            <a:r>
-              <a:rPr lang="en-GB" dirty="0">
+              <a:t>recode_with_dictionary</a:t>
+            </a:r>
+            <a:r>
+              <a:rPr lang="en-GB">
                 <a:latin typeface="Hack" panose="020B0609030202020204" pitchFamily="49" charset="0"/>
                 <a:ea typeface="Hack" panose="020B0609030202020204" pitchFamily="49" charset="0"/>
                 <a:cs typeface="Hack" panose="020B0609030202020204" pitchFamily="49" charset="0"/>
@@ -4575,7 +4679,7 @@
             </a:r>
           </a:p>
           <a:p>
-            <a:endParaRPr lang="en-GB" dirty="0">
+            <a:endParaRPr lang="en-GB">
               <a:latin typeface="Hack" panose="020B0609030202020204" pitchFamily="49" charset="0"/>
               <a:ea typeface="Hack" panose="020B0609030202020204" pitchFamily="49" charset="0"/>
               <a:cs typeface="Hack" panose="020B0609030202020204" pitchFamily="49" charset="0"/>
@@ -4583,7 +4687,7 @@
           </a:p>
           <a:p>
             <a:r>
-              <a:rPr lang="en-GB" dirty="0">
+              <a:rPr lang="en-GB">
                 <a:latin typeface="Hack" panose="020B0609030202020204" pitchFamily="49" charset="0"/>
                 <a:ea typeface="Hack" panose="020B0609030202020204" pitchFamily="49" charset="0"/>
                 <a:cs typeface="Hack" panose="020B0609030202020204" pitchFamily="49" charset="0"/>
@@ -4591,7 +4695,7 @@
               <a:t>2. </a:t>
             </a:r>
             <a:r>
-              <a:rPr lang="en-GB" dirty="0" err="1">
+              <a:rPr lang="en-GB" err="1">
                 <a:latin typeface="Hack" panose="020B0609030202020204" pitchFamily="49" charset="0"/>
                 <a:ea typeface="Hack" panose="020B0609030202020204" pitchFamily="49" charset="0"/>
                 <a:cs typeface="Hack" panose="020B0609030202020204" pitchFamily="49" charset="0"/>
@@ -4599,7 +4703,7 @@
               <a:t>describe_with_dictionary</a:t>
             </a:r>
             <a:r>
-              <a:rPr lang="en-GB" dirty="0">
+              <a:rPr lang="en-GB">
                 <a:latin typeface="Hack" panose="020B0609030202020204" pitchFamily="49" charset="0"/>
                 <a:ea typeface="Hack" panose="020B0609030202020204" pitchFamily="49" charset="0"/>
                 <a:cs typeface="Hack" panose="020B0609030202020204" pitchFamily="49" charset="0"/>
@@ -4607,21 +4711,21 @@
               <a:t>()</a:t>
             </a:r>
             <a:br>
-              <a:rPr lang="en-GB" dirty="0">
+              <a:rPr lang="en-GB">
                 <a:latin typeface="Hack" panose="020B0609030202020204" pitchFamily="49" charset="0"/>
                 <a:ea typeface="Hack" panose="020B0609030202020204" pitchFamily="49" charset="0"/>
                 <a:cs typeface="Hack" panose="020B0609030202020204" pitchFamily="49" charset="0"/>
               </a:rPr>
             </a:br>
             <a:br>
-              <a:rPr lang="en-GB" dirty="0">
+              <a:rPr lang="en-GB">
                 <a:latin typeface="Hack" panose="020B0609030202020204" pitchFamily="49" charset="0"/>
                 <a:ea typeface="Hack" panose="020B0609030202020204" pitchFamily="49" charset="0"/>
                 <a:cs typeface="Hack" panose="020B0609030202020204" pitchFamily="49" charset="0"/>
               </a:rPr>
             </a:br>
             <a:r>
-              <a:rPr lang="en-GB" dirty="0">
+              <a:rPr lang="en-GB">
                 <a:latin typeface="Hack" panose="020B0609030202020204" pitchFamily="49" charset="0"/>
                 <a:ea typeface="Hack" panose="020B0609030202020204" pitchFamily="49" charset="0"/>
                 <a:cs typeface="Hack" panose="020B0609030202020204" pitchFamily="49" charset="0"/>
@@ -4629,7 +4733,7 @@
               <a:t>3. </a:t>
             </a:r>
             <a:r>
-              <a:rPr lang="en-GB" dirty="0" err="1">
+              <a:rPr lang="en-GB" err="1">
                 <a:latin typeface="Hack" panose="020B0609030202020204" pitchFamily="49" charset="0"/>
                 <a:ea typeface="Hack" panose="020B0609030202020204" pitchFamily="49" charset="0"/>
                 <a:cs typeface="Hack" panose="020B0609030202020204" pitchFamily="49" charset="0"/>
@@ -4637,7 +4741,7 @@
               <a:t>rename_with_dictionary</a:t>
             </a:r>
             <a:r>
-              <a:rPr lang="en-GB" dirty="0">
+              <a:rPr lang="en-GB">
                 <a:latin typeface="Hack" panose="020B0609030202020204" pitchFamily="49" charset="0"/>
                 <a:ea typeface="Hack" panose="020B0609030202020204" pitchFamily="49" charset="0"/>
                 <a:cs typeface="Hack" panose="020B0609030202020204" pitchFamily="49" charset="0"/>
@@ -4702,6 +4806,111 @@
                 <a:schemeClr val="tx1"/>
               </a:solidFill>
             </a:endParaRPr>
+          </a:p>
+        </p:txBody>
+      </p:sp>
+      <p:sp>
+        <p:nvSpPr>
+          <p:cNvPr id="19" name="TextBox 18">
+            <a:extLst>
+              <a:ext uri="{FF2B5EF4-FFF2-40B4-BE49-F238E27FC236}">
+                <a16:creationId xmlns:a16="http://schemas.microsoft.com/office/drawing/2014/main" id="{40E7580A-A943-5724-3794-D5C746168C06}"/>
+              </a:ext>
+            </a:extLst>
+          </p:cNvPr>
+          <p:cNvSpPr txBox="1"/>
+          <p:nvPr/>
+        </p:nvSpPr>
+        <p:spPr>
+          <a:xfrm>
+            <a:off x="6651798" y="232247"/>
+            <a:ext cx="1700915" cy="323165"/>
+          </a:xfrm>
+          <a:prstGeom prst="rect">
+            <a:avLst/>
+          </a:prstGeom>
+          <a:noFill/>
+        </p:spPr>
+        <p:txBody>
+          <a:bodyPr wrap="none" lIns="0" tIns="0" rIns="0" rtlCol="0">
+            <a:spAutoFit/>
+          </a:bodyPr>
+          <a:lstStyle/>
+          <a:p>
+            <a:r>
+              <a:rPr lang="en-AU"/>
+              <a:t>station_names.tsv</a:t>
+            </a:r>
+          </a:p>
+        </p:txBody>
+      </p:sp>
+      <p:sp>
+        <p:nvSpPr>
+          <p:cNvPr id="20" name="TextBox 19">
+            <a:extLst>
+              <a:ext uri="{FF2B5EF4-FFF2-40B4-BE49-F238E27FC236}">
+                <a16:creationId xmlns:a16="http://schemas.microsoft.com/office/drawing/2014/main" id="{FCC872F3-FF5B-E234-20ED-B562DF2606AB}"/>
+              </a:ext>
+            </a:extLst>
+          </p:cNvPr>
+          <p:cNvSpPr txBox="1"/>
+          <p:nvPr/>
+        </p:nvSpPr>
+        <p:spPr>
+          <a:xfrm>
+            <a:off x="1865014" y="719667"/>
+            <a:ext cx="828112" cy="323165"/>
+          </a:xfrm>
+          <a:prstGeom prst="rect">
+            <a:avLst/>
+          </a:prstGeom>
+          <a:noFill/>
+        </p:spPr>
+        <p:txBody>
+          <a:bodyPr wrap="none" lIns="0" tIns="0" rIns="0" rtlCol="0">
+            <a:spAutoFit/>
+          </a:bodyPr>
+          <a:lstStyle/>
+          <a:p>
+            <a:r>
+              <a:rPr lang="en-AU"/>
+              <a:t>index.tsv</a:t>
+            </a:r>
+          </a:p>
+        </p:txBody>
+      </p:sp>
+      <p:sp>
+        <p:nvSpPr>
+          <p:cNvPr id="34" name="TextBox 33">
+            <a:extLst>
+              <a:ext uri="{FF2B5EF4-FFF2-40B4-BE49-F238E27FC236}">
+                <a16:creationId xmlns:a16="http://schemas.microsoft.com/office/drawing/2014/main" id="{11ECA946-E830-0200-BB57-D0F3A3F624F8}"/>
+              </a:ext>
+            </a:extLst>
+          </p:cNvPr>
+          <p:cNvSpPr txBox="1"/>
+          <p:nvPr/>
+        </p:nvSpPr>
+        <p:spPr>
+          <a:xfrm>
+            <a:off x="6651797" y="2696070"/>
+            <a:ext cx="1691360" cy="323165"/>
+          </a:xfrm>
+          <a:prstGeom prst="rect">
+            <a:avLst/>
+          </a:prstGeom>
+          <a:noFill/>
+        </p:spPr>
+        <p:txBody>
+          <a:bodyPr wrap="none" lIns="0" tIns="0" rIns="0" rtlCol="0">
+            <a:spAutoFit/>
+          </a:bodyPr>
+          <a:lstStyle/>
+          <a:p>
+            <a:r>
+              <a:rPr lang="en-AU"/>
+              <a:t>travel_reasons.tsv</a:t>
+            </a:r>
           </a:p>
         </p:txBody>
       </p:sp>
